--- a/119140110_119140217_119140007.pptx
+++ b/119140110_119140217_119140007.pptx
@@ -773,7 +773,7 @@
             <a:fld id="{B61BEF0D-F0BB-DE4B-95CE-6DB70DBA9567}" type="datetimeFigureOut">
               <a:rPr lang="en-US" smtClean="0"/>
               <a:pPr/>
-              <a:t>22-May-21</a:t>
+              <a:t>24-May-21</a:t>
             </a:fld>
             <a:endParaRPr lang="en-US" dirty="0"/>
           </a:p>
@@ -946,7 +946,7 @@
             <a:fld id="{5586B75A-687E-405C-8A0B-8D00578BA2C3}" type="datetimeFigureOut">
               <a:rPr lang="en-US" smtClean="0"/>
               <a:pPr/>
-              <a:t>22-May-21</a:t>
+              <a:t>24-May-21</a:t>
             </a:fld>
             <a:endParaRPr lang="en-US" dirty="0"/>
           </a:p>
@@ -1172,7 +1172,7 @@
             <a:fld id="{5586B75A-687E-405C-8A0B-8D00578BA2C3}" type="datetimeFigureOut">
               <a:rPr lang="en-US" smtClean="0"/>
               <a:pPr/>
-              <a:t>22-May-21</a:t>
+              <a:t>24-May-21</a:t>
             </a:fld>
             <a:endParaRPr lang="en-US" dirty="0"/>
           </a:p>
@@ -2035,7 +2035,7 @@
             <a:fld id="{5586B75A-687E-405C-8A0B-8D00578BA2C3}" type="datetimeFigureOut">
               <a:rPr lang="en-US" smtClean="0"/>
               <a:pPr/>
-              <a:t>22-May-21</a:t>
+              <a:t>24-May-21</a:t>
             </a:fld>
             <a:endParaRPr lang="en-US" dirty="0"/>
           </a:p>
@@ -2344,7 +2344,7 @@
             <a:fld id="{B61BEF0D-F0BB-DE4B-95CE-6DB70DBA9567}" type="datetimeFigureOut">
               <a:rPr lang="en-US" smtClean="0"/>
               <a:pPr/>
-              <a:t>22-May-21</a:t>
+              <a:t>24-May-21</a:t>
             </a:fld>
             <a:endParaRPr lang="en-US" dirty="0"/>
           </a:p>
@@ -2651,7 +2651,7 @@
             <a:fld id="{5586B75A-687E-405C-8A0B-8D00578BA2C3}" type="datetimeFigureOut">
               <a:rPr lang="en-US" smtClean="0"/>
               <a:pPr/>
-              <a:t>22-May-21</a:t>
+              <a:t>24-May-21</a:t>
             </a:fld>
             <a:endParaRPr lang="en-US" dirty="0"/>
           </a:p>
@@ -3076,7 +3076,7 @@
             <a:fld id="{5586B75A-687E-405C-8A0B-8D00578BA2C3}" type="datetimeFigureOut">
               <a:rPr lang="en-US" smtClean="0"/>
               <a:pPr/>
-              <a:t>22-May-21</a:t>
+              <a:t>24-May-21</a:t>
             </a:fld>
             <a:endParaRPr lang="en-US" dirty="0"/>
           </a:p>
@@ -3197,7 +3197,7 @@
             <a:fld id="{B61BEF0D-F0BB-DE4B-95CE-6DB70DBA9567}" type="datetimeFigureOut">
               <a:rPr lang="en-US" smtClean="0"/>
               <a:pPr/>
-              <a:t>22-May-21</a:t>
+              <a:t>24-May-21</a:t>
             </a:fld>
             <a:endParaRPr lang="en-US" dirty="0"/>
           </a:p>
@@ -3295,7 +3295,7 @@
             <a:fld id="{B61BEF0D-F0BB-DE4B-95CE-6DB70DBA9567}" type="datetimeFigureOut">
               <a:rPr lang="en-US" smtClean="0"/>
               <a:pPr/>
-              <a:t>22-May-21</a:t>
+              <a:t>24-May-21</a:t>
             </a:fld>
             <a:endParaRPr lang="en-US" dirty="0"/>
           </a:p>
@@ -3570,7 +3570,7 @@
             <a:fld id="{5586B75A-687E-405C-8A0B-8D00578BA2C3}" type="datetimeFigureOut">
               <a:rPr lang="en-US" smtClean="0"/>
               <a:pPr/>
-              <a:t>22-May-21</a:t>
+              <a:t>24-May-21</a:t>
             </a:fld>
             <a:endParaRPr lang="en-US" dirty="0"/>
           </a:p>
@@ -3838,7 +3838,7 @@
             <a:fld id="{B61BEF0D-F0BB-DE4B-95CE-6DB70DBA9567}" type="datetimeFigureOut">
               <a:rPr lang="en-US" smtClean="0"/>
               <a:pPr/>
-              <a:t>22-May-21</a:t>
+              <a:t>24-May-21</a:t>
             </a:fld>
             <a:endParaRPr lang="en-US" dirty="0"/>
           </a:p>
@@ -4090,7 +4090,7 @@
             <a:fld id="{5586B75A-687E-405C-8A0B-8D00578BA2C3}" type="datetimeFigureOut">
               <a:rPr lang="en-US" smtClean="0"/>
               <a:pPr/>
-              <a:t>22-May-21</a:t>
+              <a:t>24-May-21</a:t>
             </a:fld>
             <a:endParaRPr lang="en-US" dirty="0"/>
           </a:p>
@@ -6572,7 +6572,7 @@
           <a:p>
             <a:r>
               <a:rPr lang="en-US" sz="1800" dirty="0"/>
-              <a:t>Aulia Rahman Zulfi : Backend Dev, Desain Logo</a:t>
+              <a:t>Aulia Rahman Zulfi : Backend Dev, Desain UI</a:t>
             </a:r>
           </a:p>
           <a:p>
@@ -6622,7 +6622,7 @@
             </a:r>
             <a:r>
               <a:rPr lang="en-US" sz="1800" dirty="0"/>
-              <a:t> : Class Diagram Maker, Documentation, Tester</a:t>
+              <a:t> : UML, Tester, Desain UI</a:t>
             </a:r>
             <a:endParaRPr lang="en-ID" sz="1800" dirty="0"/>
           </a:p>
@@ -6775,7 +6775,7 @@
         </p:blipFill>
         <p:spPr>
           <a:xfrm>
-            <a:off x="1937839" y="0"/>
+            <a:off x="1911142" y="0"/>
             <a:ext cx="4901111" cy="5143500"/>
           </a:xfrm>
           <a:prstGeom prst="rect">
